--- a/01. Introduction to UWP/Lab 1. Create Data App.pptx
+++ b/01. Introduction to UWP/Lab 1. Create Data App.pptx
@@ -8,10 +8,10 @@
     <p:sldMasterId id="2147483744" r:id="rId7"/>
   </p:sldMasterIdLst>
   <p:notesMasterIdLst>
-    <p:notesMasterId r:id="rId15"/>
+    <p:notesMasterId r:id="rId18"/>
   </p:notesMasterIdLst>
   <p:handoutMasterIdLst>
-    <p:handoutMasterId r:id="rId16"/>
+    <p:handoutMasterId r:id="rId19"/>
   </p:handoutMasterIdLst>
   <p:sldIdLst>
     <p:sldId id="272" r:id="rId8"/>
@@ -19,8 +19,11 @@
     <p:sldId id="303" r:id="rId10"/>
     <p:sldId id="305" r:id="rId11"/>
     <p:sldId id="304" r:id="rId12"/>
-    <p:sldId id="300" r:id="rId13"/>
-    <p:sldId id="301" r:id="rId14"/>
+    <p:sldId id="306" r:id="rId13"/>
+    <p:sldId id="307" r:id="rId14"/>
+    <p:sldId id="308" r:id="rId15"/>
+    <p:sldId id="300" r:id="rId16"/>
+    <p:sldId id="301" r:id="rId17"/>
   </p:sldIdLst>
   <p:sldSz cx="12192000" cy="6858000"/>
   <p:notesSz cx="6858000" cy="9144000"/>
@@ -212,7 +215,7 @@
           <a:p>
             <a:fld id="{94239FBE-FC08-4336-9B53-CDE8BC5ED33D}" type="datetimeFigureOut">
               <a:rPr lang="ru-RU" smtClean="0"/>
-              <a:t>03.12.2015</a:t>
+              <a:t>05.12.2015</a:t>
             </a:fld>
             <a:endParaRPr lang="ru-RU"/>
           </a:p>
@@ -377,7 +380,7 @@
           <a:p>
             <a:fld id="{135EBF37-D0C5-4B7C-9D35-9D2E20CA27EC}" type="datetimeFigureOut">
               <a:rPr lang="ru-RU" smtClean="0"/>
-              <a:t>03.12.2015</a:t>
+              <a:t>05.12.2015</a:t>
             </a:fld>
             <a:endParaRPr lang="ru-RU"/>
           </a:p>
@@ -1066,7 +1069,7 @@
                   <a:spcPct val="0"/>
                 </a:spcAft>
               </a:pPr>
-              <a:t>12/3/2015 9:25 AM</a:t>
+              <a:t>12/5/2015 7:45 PM</a:t>
             </a:fld>
             <a:endParaRPr lang="en-US"/>
           </a:p>
@@ -1236,7 +1239,7 @@
                   <a:spcPct val="0"/>
                 </a:spcAft>
               </a:pPr>
-              <a:t>7</a:t>
+              <a:t>10</a:t>
             </a:fld>
             <a:endParaRPr lang="en-US"/>
           </a:p>
@@ -9845,7 +9848,7 @@
             <a:fld id="{B9E0730F-B7E3-6A47-BE8A-187D77555B7C}" type="datetimeFigureOut">
               <a:rPr lang="en-US" smtClean="0"/>
               <a:pPr/>
-              <a:t>12/3/2015</a:t>
+              <a:t>12/5/2015</a:t>
             </a:fld>
             <a:endParaRPr lang="en-US"/>
           </a:p>
@@ -26997,22 +27000,22 @@
             </a:br>
             <a:r>
               <a:rPr lang="ru-RU" sz="4000" dirty="0" smtClean="0"/>
-              <a:t>Лабораторная работа 1: </a:t>
+              <a:t>Лабораторная работа 1</a:t>
+            </a:r>
+            <a:r>
+              <a:rPr lang="en-US" sz="4000" dirty="0" smtClean="0"/>
+              <a:t>a</a:t>
+            </a:r>
+            <a:r>
+              <a:rPr lang="ru-RU" sz="4000" dirty="0" smtClean="0"/>
+              <a:t>: </a:t>
             </a:r>
             <a:br>
               <a:rPr lang="ru-RU" sz="4000" dirty="0" smtClean="0"/>
             </a:br>
             <a:r>
               <a:rPr lang="ru-RU" sz="4000" dirty="0" smtClean="0"/>
-              <a:t>Одностраничное</a:t>
-            </a:r>
-            <a:r>
-              <a:rPr lang="ru-RU" sz="4000" dirty="0" smtClean="0"/>
-              <a:t> </a:t>
-            </a:r>
-            <a:r>
-              <a:rPr lang="ru-RU" sz="4000" dirty="0" smtClean="0"/>
-              <a:t>приложение</a:t>
+              <a:t>Одностраничное приложение</a:t>
             </a:r>
             <a:endParaRPr lang="ru-RU" sz="4000" dirty="0"/>
           </a:p>
@@ -27118,6 +27121,44 @@
 </p:sld>
 </file>
 
+<file path=ppt/slides/slide10.xml><?xml version="1.0" encoding="utf-8"?>
+<p:sld xmlns:a="http://schemas.openxmlformats.org/drawingml/2006/main" xmlns:r="http://schemas.openxmlformats.org/officeDocument/2006/relationships" xmlns:p="http://schemas.openxmlformats.org/presentationml/2006/main">
+  <p:cSld>
+    <p:spTree>
+      <p:nvGrpSpPr>
+        <p:cNvPr id="1" name=""/>
+        <p:cNvGrpSpPr/>
+        <p:nvPr/>
+      </p:nvGrpSpPr>
+      <p:grpSpPr>
+        <a:xfrm>
+          <a:off x="0" y="0"/>
+          <a:ext cx="0" cy="0"/>
+          <a:chOff x="0" y="0"/>
+          <a:chExt cx="0" cy="0"/>
+        </a:xfrm>
+      </p:grpSpPr>
+    </p:spTree>
+    <p:extLst>
+      <p:ext uri="{BB962C8B-B14F-4D97-AF65-F5344CB8AC3E}">
+        <p14:creationId xmlns:p14="http://schemas.microsoft.com/office/powerpoint/2010/main" val="2717568389"/>
+      </p:ext>
+    </p:extLst>
+  </p:cSld>
+  <p:clrMapOvr>
+    <a:masterClrMapping/>
+  </p:clrMapOvr>
+  <mc:AlternateContent xmlns:mc="http://schemas.openxmlformats.org/markup-compatibility/2006" xmlns:p14="http://schemas.microsoft.com/office/powerpoint/2010/main">
+    <mc:Choice Requires="p14">
+      <p:transition p14:dur="0"/>
+    </mc:Choice>
+    <mc:Fallback xmlns="">
+      <p:transition/>
+    </mc:Fallback>
+  </mc:AlternateContent>
+</p:sld>
+</file>
+
 <file path=ppt/slides/slide2.xml><?xml version="1.0" encoding="utf-8"?>
 <p:sld xmlns:a="http://schemas.openxmlformats.org/drawingml/2006/main" xmlns:r="http://schemas.openxmlformats.org/officeDocument/2006/relationships" xmlns:p="http://schemas.openxmlformats.org/presentationml/2006/main">
   <p:cSld>
@@ -27182,21 +27223,8 @@
           <a:p>
             <a:r>
               <a:rPr lang="ru-RU" dirty="0" smtClean="0"/>
-              <a:t>На основе рассмотренного примера, создать простейшее </a:t>
-            </a:r>
-            <a:r>
-              <a:rPr lang="ru-RU" dirty="0" smtClean="0"/>
-              <a:t>одностраничное приложение</a:t>
-            </a:r>
-            <a:r>
-              <a:rPr lang="ru-RU" dirty="0" smtClean="0"/>
-              <a:t>, показывающее </a:t>
-            </a:r>
-            <a:r>
-              <a:rPr lang="ru-RU" dirty="0" smtClean="0"/>
-              <a:t>какую-либо полезную информацию.</a:t>
-            </a:r>
-            <a:endParaRPr lang="ru-RU" dirty="0" smtClean="0"/>
+              <a:t>На основе рассмотренного примера, создать простейшее одностраничное приложение, показывающее какую-либо полезную информацию.</a:t>
+            </a:r>
           </a:p>
           <a:p>
             <a:endParaRPr lang="ru-RU" sz="1700" dirty="0"/>
@@ -27206,7 +27234,6 @@
               <a:rPr lang="ru-RU" dirty="0" smtClean="0"/>
               <a:t>Два типа приложений:</a:t>
             </a:r>
-            <a:endParaRPr lang="ru-RU" dirty="0" smtClean="0"/>
           </a:p>
           <a:p>
             <a:pPr marL="396000" indent="-457200">
@@ -27674,11 +27701,7 @@
           <a:p>
             <a:r>
               <a:rPr lang="ru-RU" dirty="0" smtClean="0"/>
-              <a:t>Автоматическо</a:t>
-            </a:r>
-            <a:r>
-              <a:rPr lang="ru-RU" dirty="0" smtClean="0"/>
-              <a:t>е периодическое обновление</a:t>
+              <a:t>Автоматическое периодическое обновление</a:t>
             </a:r>
           </a:p>
           <a:p>
@@ -27706,6 +27729,442 @@
 </file>
 
 <file path=ppt/slides/slide6.xml><?xml version="1.0" encoding="utf-8"?>
+<p:sld xmlns:a="http://schemas.openxmlformats.org/drawingml/2006/main" xmlns:r="http://schemas.openxmlformats.org/officeDocument/2006/relationships" xmlns:p="http://schemas.openxmlformats.org/presentationml/2006/main">
+  <p:cSld>
+    <p:spTree>
+      <p:nvGrpSpPr>
+        <p:cNvPr id="1" name=""/>
+        <p:cNvGrpSpPr/>
+        <p:nvPr/>
+      </p:nvGrpSpPr>
+      <p:grpSpPr>
+        <a:xfrm>
+          <a:off x="0" y="0"/>
+          <a:ext cx="0" cy="0"/>
+          <a:chOff x="0" y="0"/>
+          <a:chExt cx="0" cy="0"/>
+        </a:xfrm>
+      </p:grpSpPr>
+      <p:sp>
+        <p:nvSpPr>
+          <p:cNvPr id="4" name="Заголовок 3"/>
+          <p:cNvSpPr>
+            <a:spLocks noGrp="1"/>
+          </p:cNvSpPr>
+          <p:nvPr>
+            <p:ph type="ctrTitle"/>
+          </p:nvPr>
+        </p:nvSpPr>
+        <p:spPr/>
+        <p:txBody>
+          <a:bodyPr anchor="ctr">
+            <a:noAutofit/>
+          </a:bodyPr>
+          <a:lstStyle/>
+          <a:p>
+            <a:pPr defTabSz="762000">
+              <a:lnSpc>
+                <a:spcPct val="100000"/>
+              </a:lnSpc>
+            </a:pPr>
+            <a:r>
+              <a:rPr lang="ru-RU" sz="4000" dirty="0" smtClean="0"/>
+              <a:t>Введение в разработку универсальных приложений на платформе </a:t>
+            </a:r>
+            <a:r>
+              <a:rPr lang="en-US" sz="4000" dirty="0" smtClean="0"/>
+              <a:t>Windows</a:t>
+            </a:r>
+            <a:br>
+              <a:rPr lang="en-US" sz="4000" dirty="0" smtClean="0"/>
+            </a:br>
+            <a:r>
+              <a:rPr lang="ru-RU" sz="1600" dirty="0" smtClean="0"/>
+              <a:t/>
+            </a:r>
+            <a:br>
+              <a:rPr lang="ru-RU" sz="1600" dirty="0" smtClean="0"/>
+            </a:br>
+            <a:r>
+              <a:rPr lang="ru-RU" sz="4000" dirty="0" smtClean="0"/>
+              <a:t>Лабораторная работа 1</a:t>
+            </a:r>
+            <a:r>
+              <a:rPr lang="en-US" sz="4000" dirty="0"/>
+              <a:t>b</a:t>
+            </a:r>
+            <a:r>
+              <a:rPr lang="ru-RU" sz="4000" dirty="0" smtClean="0"/>
+              <a:t>: </a:t>
+            </a:r>
+            <a:br>
+              <a:rPr lang="ru-RU" sz="4000" dirty="0" smtClean="0"/>
+            </a:br>
+            <a:r>
+              <a:rPr lang="ru-RU" sz="4000" dirty="0" smtClean="0"/>
+              <a:t>Создаем простую игру</a:t>
+            </a:r>
+            <a:endParaRPr lang="ru-RU" sz="4000" dirty="0"/>
+          </a:p>
+        </p:txBody>
+      </p:sp>
+      <p:sp>
+        <p:nvSpPr>
+          <p:cNvPr id="5" name="Подзаголовок 4"/>
+          <p:cNvSpPr>
+            <a:spLocks noGrp="1"/>
+          </p:cNvSpPr>
+          <p:nvPr>
+            <p:ph type="subTitle" idx="1"/>
+          </p:nvPr>
+        </p:nvSpPr>
+        <p:spPr>
+          <a:xfrm>
+            <a:off x="2136000" y="4329000"/>
+            <a:ext cx="8064000" cy="1452017"/>
+          </a:xfrm>
+        </p:spPr>
+        <p:txBody>
+          <a:bodyPr>
+            <a:normAutofit fontScale="85000" lnSpcReduction="10000"/>
+          </a:bodyPr>
+          <a:lstStyle/>
+          <a:p>
+            <a:r>
+              <a:rPr lang="ru-RU" dirty="0" smtClean="0"/>
+              <a:t>Дмитрий Сошников</a:t>
+            </a:r>
+            <a:endParaRPr lang="en-US" dirty="0" smtClean="0"/>
+          </a:p>
+          <a:p>
+            <a:r>
+              <a:rPr lang="en-US" sz="2400" dirty="0" smtClean="0"/>
+              <a:t>dmitryso@microsoft.com | twitter.com/</a:t>
+            </a:r>
+            <a:r>
+              <a:rPr lang="en-US" sz="2400" dirty="0" err="1" smtClean="0"/>
+              <a:t>shwars</a:t>
+            </a:r>
+            <a:r>
+              <a:rPr lang="en-US" sz="2400" dirty="0" smtClean="0"/>
+              <a:t> | blog.soshnikov.com</a:t>
+            </a:r>
+          </a:p>
+          <a:p>
+            <a:r>
+              <a:rPr lang="en-US" sz="2400" dirty="0" smtClean="0"/>
+              <a:t>Microsoft</a:t>
+            </a:r>
+            <a:endParaRPr lang="ru-RU" sz="2400" dirty="0"/>
+          </a:p>
+        </p:txBody>
+      </p:sp>
+      <p:pic>
+        <p:nvPicPr>
+          <p:cNvPr id="2" name="Picture 1"/>
+          <p:cNvPicPr>
+            <a:picLocks noChangeAspect="1"/>
+          </p:cNvPicPr>
+          <p:nvPr/>
+        </p:nvPicPr>
+        <p:blipFill>
+          <a:blip r:embed="rId2" cstate="print">
+            <a:extLst>
+              <a:ext uri="{28A0092B-C50C-407E-A947-70E740481C1C}">
+                <a14:useLocalDpi xmlns:a14="http://schemas.microsoft.com/office/drawing/2010/main" val="0"/>
+              </a:ext>
+            </a:extLst>
+          </a:blip>
+          <a:stretch>
+            <a:fillRect/>
+          </a:stretch>
+        </p:blipFill>
+        <p:spPr>
+          <a:xfrm>
+            <a:off x="336000" y="4332017"/>
+            <a:ext cx="1539187" cy="1449000"/>
+          </a:xfrm>
+          <a:prstGeom prst="ellipse">
+            <a:avLst/>
+          </a:prstGeom>
+          <a:ln w="3175" cap="rnd">
+            <a:solidFill>
+              <a:srgbClr val="333333"/>
+            </a:solidFill>
+          </a:ln>
+          <a:effectLst/>
+        </p:spPr>
+      </p:pic>
+    </p:spTree>
+    <p:extLst>
+      <p:ext uri="{BB962C8B-B14F-4D97-AF65-F5344CB8AC3E}">
+        <p14:creationId xmlns:p14="http://schemas.microsoft.com/office/powerpoint/2010/main" val="3216204611"/>
+      </p:ext>
+    </p:extLst>
+  </p:cSld>
+  <p:clrMapOvr>
+    <a:masterClrMapping/>
+  </p:clrMapOvr>
+</p:sld>
+</file>
+
+<file path=ppt/slides/slide7.xml><?xml version="1.0" encoding="utf-8"?>
+<p:sld xmlns:a="http://schemas.openxmlformats.org/drawingml/2006/main" xmlns:r="http://schemas.openxmlformats.org/officeDocument/2006/relationships" xmlns:p="http://schemas.openxmlformats.org/presentationml/2006/main">
+  <p:cSld>
+    <p:spTree>
+      <p:nvGrpSpPr>
+        <p:cNvPr id="1" name=""/>
+        <p:cNvGrpSpPr/>
+        <p:nvPr/>
+      </p:nvGrpSpPr>
+      <p:grpSpPr>
+        <a:xfrm>
+          <a:off x="0" y="0"/>
+          <a:ext cx="0" cy="0"/>
+          <a:chOff x="0" y="0"/>
+          <a:chExt cx="0" cy="0"/>
+        </a:xfrm>
+      </p:grpSpPr>
+      <p:sp>
+        <p:nvSpPr>
+          <p:cNvPr id="4" name="Заголовок 3"/>
+          <p:cNvSpPr>
+            <a:spLocks noGrp="1"/>
+          </p:cNvSpPr>
+          <p:nvPr>
+            <p:ph type="title"/>
+          </p:nvPr>
+        </p:nvSpPr>
+        <p:spPr/>
+        <p:txBody>
+          <a:bodyPr/>
+          <a:lstStyle/>
+          <a:p>
+            <a:r>
+              <a:rPr lang="ru-RU" dirty="0" smtClean="0"/>
+              <a:t>Задание</a:t>
+            </a:r>
+            <a:endParaRPr lang="ru-RU" dirty="0"/>
+          </a:p>
+        </p:txBody>
+      </p:sp>
+      <p:sp>
+        <p:nvSpPr>
+          <p:cNvPr id="5" name="Объект 4"/>
+          <p:cNvSpPr>
+            <a:spLocks noGrp="1"/>
+          </p:cNvSpPr>
+          <p:nvPr>
+            <p:ph idx="1"/>
+          </p:nvPr>
+        </p:nvSpPr>
+        <p:spPr>
+          <a:xfrm>
+            <a:off x="1056000" y="1449000"/>
+            <a:ext cx="5760000" cy="5220000"/>
+          </a:xfrm>
+        </p:spPr>
+        <p:txBody>
+          <a:bodyPr>
+            <a:normAutofit fontScale="92500" lnSpcReduction="20000"/>
+          </a:bodyPr>
+          <a:lstStyle/>
+          <a:p>
+            <a:r>
+              <a:rPr lang="ru-RU" dirty="0" smtClean="0"/>
+              <a:t>На основе примера приложения с </a:t>
+            </a:r>
+            <a:r>
+              <a:rPr lang="ru-RU" dirty="0" smtClean="0"/>
+              <a:t>подвижным кругом</a:t>
+            </a:r>
+            <a:r>
+              <a:rPr lang="ru-RU" dirty="0" smtClean="0"/>
+              <a:t>, создайте </a:t>
+            </a:r>
+            <a:r>
+              <a:rPr lang="ru-RU" dirty="0" smtClean="0"/>
+              <a:t>простую игру. Используйте один из двух вариантов игры:</a:t>
+            </a:r>
+          </a:p>
+          <a:p>
+            <a:pPr marL="514350" indent="-514350">
+              <a:buAutoNum type="arabicPeriod"/>
+            </a:pPr>
+            <a:r>
+              <a:rPr lang="ru-RU" dirty="0"/>
+              <a:t>Н</a:t>
+            </a:r>
+            <a:r>
+              <a:rPr lang="ru-RU" dirty="0" smtClean="0"/>
+              <a:t>еобходимо </a:t>
+            </a:r>
+            <a:r>
+              <a:rPr lang="ru-RU" dirty="0" smtClean="0"/>
+              <a:t>успеть как можно быстрее погладить котика (или убить крота), который внезапно вылезает из </a:t>
+            </a:r>
+            <a:r>
+              <a:rPr lang="ru-RU" dirty="0" smtClean="0"/>
+              <a:t>норки</a:t>
+            </a:r>
+          </a:p>
+          <a:p>
+            <a:pPr marL="514350" indent="-514350">
+              <a:buAutoNum type="arabicPeriod"/>
+            </a:pPr>
+            <a:r>
+              <a:rPr lang="ru-RU" dirty="0" smtClean="0"/>
+              <a:t>Необходимо расставить</a:t>
+            </a:r>
+            <a:r>
+              <a:rPr lang="ru-RU" dirty="0" smtClean="0"/>
+              <a:t> объекты, передвигая их по экрану («сортируем мусор»)</a:t>
+            </a:r>
+            <a:endParaRPr lang="ru-RU" dirty="0"/>
+          </a:p>
+        </p:txBody>
+      </p:sp>
+    </p:spTree>
+    <p:extLst>
+      <p:ext uri="{BB962C8B-B14F-4D97-AF65-F5344CB8AC3E}">
+        <p14:creationId xmlns:p14="http://schemas.microsoft.com/office/powerpoint/2010/main" val="891762512"/>
+      </p:ext>
+    </p:extLst>
+  </p:cSld>
+  <p:clrMapOvr>
+    <a:masterClrMapping/>
+  </p:clrMapOvr>
+</p:sld>
+</file>
+
+<file path=ppt/slides/slide8.xml><?xml version="1.0" encoding="utf-8"?>
+<p:sld xmlns:a="http://schemas.openxmlformats.org/drawingml/2006/main" xmlns:r="http://schemas.openxmlformats.org/officeDocument/2006/relationships" xmlns:p="http://schemas.openxmlformats.org/presentationml/2006/main">
+  <p:cSld>
+    <p:spTree>
+      <p:nvGrpSpPr>
+        <p:cNvPr id="1" name=""/>
+        <p:cNvGrpSpPr/>
+        <p:nvPr/>
+      </p:nvGrpSpPr>
+      <p:grpSpPr>
+        <a:xfrm>
+          <a:off x="0" y="0"/>
+          <a:ext cx="0" cy="0"/>
+          <a:chOff x="0" y="0"/>
+          <a:chExt cx="0" cy="0"/>
+        </a:xfrm>
+      </p:grpSpPr>
+      <p:sp>
+        <p:nvSpPr>
+          <p:cNvPr id="2" name="Заголовок 1"/>
+          <p:cNvSpPr>
+            <a:spLocks noGrp="1"/>
+          </p:cNvSpPr>
+          <p:nvPr>
+            <p:ph type="title"/>
+          </p:nvPr>
+        </p:nvSpPr>
+        <p:spPr/>
+        <p:txBody>
+          <a:bodyPr/>
+          <a:lstStyle/>
+          <a:p>
+            <a:r>
+              <a:rPr lang="ru-RU" dirty="0" smtClean="0"/>
+              <a:t>Указания</a:t>
+            </a:r>
+            <a:endParaRPr lang="ru-RU" dirty="0"/>
+          </a:p>
+        </p:txBody>
+      </p:sp>
+      <p:sp>
+        <p:nvSpPr>
+          <p:cNvPr id="3" name="Объект 2"/>
+          <p:cNvSpPr>
+            <a:spLocks noGrp="1"/>
+          </p:cNvSpPr>
+          <p:nvPr>
+            <p:ph idx="1"/>
+          </p:nvPr>
+        </p:nvSpPr>
+        <p:spPr>
+          <a:xfrm>
+            <a:off x="1056000" y="1449000"/>
+            <a:ext cx="6300000" cy="4860000"/>
+          </a:xfrm>
+        </p:spPr>
+        <p:txBody>
+          <a:bodyPr>
+            <a:normAutofit/>
+          </a:bodyPr>
+          <a:lstStyle/>
+          <a:p>
+            <a:r>
+              <a:rPr lang="ru-RU" dirty="0" smtClean="0"/>
+              <a:t>Используйте картинку </a:t>
+            </a:r>
+            <a:r>
+              <a:rPr lang="en-US" dirty="0" smtClean="0"/>
+              <a:t>(&lt;Image&gt;) </a:t>
+            </a:r>
+            <a:r>
+              <a:rPr lang="ru-RU" dirty="0" smtClean="0"/>
+              <a:t>вместо </a:t>
+            </a:r>
+            <a:r>
+              <a:rPr lang="en-US" dirty="0" smtClean="0"/>
+              <a:t>&lt;Ellipse</a:t>
+            </a:r>
+            <a:r>
+              <a:rPr lang="en-US" dirty="0" smtClean="0"/>
+              <a:t>&gt;</a:t>
+            </a:r>
+            <a:endParaRPr lang="ru-RU" dirty="0" smtClean="0"/>
+          </a:p>
+          <a:p>
+            <a:r>
+              <a:rPr lang="ru-RU" dirty="0" smtClean="0"/>
+              <a:t>Используйте </a:t>
+            </a:r>
+            <a:r>
+              <a:rPr lang="en-US" dirty="0" err="1" smtClean="0"/>
+              <a:t>DispatcherTimer</a:t>
+            </a:r>
+            <a:r>
+              <a:rPr lang="en-US" dirty="0" smtClean="0"/>
+              <a:t> </a:t>
+            </a:r>
+            <a:r>
+              <a:rPr lang="ru-RU" dirty="0" smtClean="0"/>
+              <a:t>для отсчета времени</a:t>
+            </a:r>
+          </a:p>
+          <a:p>
+            <a:r>
+              <a:rPr lang="ru-RU" dirty="0" smtClean="0"/>
+              <a:t>Для того, чтобы сделать игру более красивой, можно добавить в окно фоновое изображение</a:t>
+            </a:r>
+            <a:endParaRPr lang="ru-RU" dirty="0" smtClean="0"/>
+          </a:p>
+          <a:p>
+            <a:endParaRPr lang="en-US" dirty="0" smtClean="0"/>
+          </a:p>
+        </p:txBody>
+      </p:sp>
+    </p:spTree>
+    <p:extLst>
+      <p:ext uri="{BB962C8B-B14F-4D97-AF65-F5344CB8AC3E}">
+        <p14:creationId xmlns:p14="http://schemas.microsoft.com/office/powerpoint/2010/main" val="3102697341"/>
+      </p:ext>
+    </p:extLst>
+  </p:cSld>
+  <p:clrMapOvr>
+    <a:masterClrMapping/>
+  </p:clrMapOvr>
+</p:sld>
+</file>
+
+<file path=ppt/slides/slide9.xml><?xml version="1.0" encoding="utf-8"?>
 <p:sld xmlns:a="http://schemas.openxmlformats.org/drawingml/2006/main" xmlns:r="http://schemas.openxmlformats.org/officeDocument/2006/relationships" xmlns:p="http://schemas.openxmlformats.org/presentationml/2006/main">
   <p:cSld>
     <p:spTree>
@@ -27844,44 +28303,6 @@
   <p:clrMapOvr>
     <a:masterClrMapping/>
   </p:clrMapOvr>
-</p:sld>
-</file>
-
-<file path=ppt/slides/slide7.xml><?xml version="1.0" encoding="utf-8"?>
-<p:sld xmlns:a="http://schemas.openxmlformats.org/drawingml/2006/main" xmlns:r="http://schemas.openxmlformats.org/officeDocument/2006/relationships" xmlns:p="http://schemas.openxmlformats.org/presentationml/2006/main">
-  <p:cSld>
-    <p:spTree>
-      <p:nvGrpSpPr>
-        <p:cNvPr id="1" name=""/>
-        <p:cNvGrpSpPr/>
-        <p:nvPr/>
-      </p:nvGrpSpPr>
-      <p:grpSpPr>
-        <a:xfrm>
-          <a:off x="0" y="0"/>
-          <a:ext cx="0" cy="0"/>
-          <a:chOff x="0" y="0"/>
-          <a:chExt cx="0" cy="0"/>
-        </a:xfrm>
-      </p:grpSpPr>
-    </p:spTree>
-    <p:extLst>
-      <p:ext uri="{BB962C8B-B14F-4D97-AF65-F5344CB8AC3E}">
-        <p14:creationId xmlns:p14="http://schemas.microsoft.com/office/powerpoint/2010/main" val="2717568389"/>
-      </p:ext>
-    </p:extLst>
-  </p:cSld>
-  <p:clrMapOvr>
-    <a:masterClrMapping/>
-  </p:clrMapOvr>
-  <mc:AlternateContent xmlns:mc="http://schemas.openxmlformats.org/markup-compatibility/2006" xmlns:p14="http://schemas.microsoft.com/office/powerpoint/2010/main">
-    <mc:Choice Requires="p14">
-      <p:transition p14:dur="0"/>
-    </mc:Choice>
-    <mc:Fallback xmlns="">
-      <p:transition/>
-    </mc:Fallback>
-  </mc:AlternateContent>
 </p:sld>
 </file>
 
@@ -29515,6 +29936,12 @@
 </file>
 
 <file path=customXml/item1.xml><?xml version="1.0" encoding="utf-8"?>
+<p:properties xmlns:p="http://schemas.microsoft.com/office/2006/metadata/properties" xmlns:xsi="http://www.w3.org/2001/XMLSchema-instance" xmlns:pc="http://schemas.microsoft.com/office/infopath/2007/PartnerControls">
+  <documentManagement/>
+</p:properties>
+</file>
+
+<file path=customXml/item2.xml><?xml version="1.0" encoding="utf-8"?>
 <?mso-contentType ?>
 <FormTemplates xmlns="http://schemas.microsoft.com/sharepoint/v3/contenttype/forms">
   <Display>DocumentLibraryForm</Display>
@@ -29523,7 +29950,7 @@
 </FormTemplates>
 </file>
 
-<file path=customXml/item2.xml><?xml version="1.0" encoding="utf-8"?>
+<file path=customXml/item3.xml><?xml version="1.0" encoding="utf-8"?>
 <ct:contentTypeSchema xmlns:ct="http://schemas.microsoft.com/office/2006/metadata/contentType" xmlns:ma="http://schemas.microsoft.com/office/2006/metadata/properties/metaAttributes" ct:_="" ma:_="" ma:contentTypeName="Document" ma:contentTypeID="0x01010076BDC9AB8D85574E92B3FF85DD8EEE9A" ma:contentTypeVersion="0" ma:contentTypeDescription="Create a new document." ma:contentTypeScope="" ma:versionID="ddc91d68531740eb4ffac8dfd0ac3039">
   <xsd:schema xmlns:xsd="http://www.w3.org/2001/XMLSchema" xmlns:xs="http://www.w3.org/2001/XMLSchema" xmlns:p="http://schemas.microsoft.com/office/2006/metadata/properties" targetNamespace="http://schemas.microsoft.com/office/2006/metadata/properties" ma:root="true" ma:fieldsID="595fb8ec1e0e1cfd5b45b077016c9ed3">
     <xsd:element name="properties">
@@ -29637,13 +30064,22 @@
 </ct:contentTypeSchema>
 </file>
 
-<file path=customXml/item3.xml><?xml version="1.0" encoding="utf-8"?>
-<p:properties xmlns:p="http://schemas.microsoft.com/office/2006/metadata/properties" xmlns:xsi="http://www.w3.org/2001/XMLSchema-instance" xmlns:pc="http://schemas.microsoft.com/office/infopath/2007/PartnerControls">
-  <documentManagement/>
-</p:properties>
+<file path=customXml/itemProps1.xml><?xml version="1.0" encoding="utf-8"?>
+<ds:datastoreItem xmlns:ds="http://schemas.openxmlformats.org/officeDocument/2006/customXml" ds:itemID="{136497CF-FFDF-4FDB-8278-A4E189869E9B}">
+  <ds:schemaRefs>
+    <ds:schemaRef ds:uri="http://schemas.microsoft.com/office/2006/metadata/properties"/>
+    <ds:schemaRef ds:uri="http://purl.org/dc/terms/"/>
+    <ds:schemaRef ds:uri="http://schemas.openxmlformats.org/package/2006/metadata/core-properties"/>
+    <ds:schemaRef ds:uri="http://schemas.microsoft.com/office/2006/documentManagement/types"/>
+    <ds:schemaRef ds:uri="http://purl.org/dc/dcmitype/"/>
+    <ds:schemaRef ds:uri="http://schemas.microsoft.com/office/infopath/2007/PartnerControls"/>
+    <ds:schemaRef ds:uri="http://purl.org/dc/elements/1.1/"/>
+    <ds:schemaRef ds:uri="http://www.w3.org/XML/1998/namespace"/>
+  </ds:schemaRefs>
+</ds:datastoreItem>
 </file>
 
-<file path=customXml/itemProps1.xml><?xml version="1.0" encoding="utf-8"?>
+<file path=customXml/itemProps2.xml><?xml version="1.0" encoding="utf-8"?>
 <ds:datastoreItem xmlns:ds="http://schemas.openxmlformats.org/officeDocument/2006/customXml" ds:itemID="{1C1284F2-D5A2-482D-9283-38905BD416F7}">
   <ds:schemaRefs>
     <ds:schemaRef ds:uri="http://schemas.microsoft.com/sharepoint/v3/contenttype/forms"/>
@@ -29651,7 +30087,7 @@
 </ds:datastoreItem>
 </file>
 
-<file path=customXml/itemProps2.xml><?xml version="1.0" encoding="utf-8"?>
+<file path=customXml/itemProps3.xml><?xml version="1.0" encoding="utf-8"?>
 <ds:datastoreItem xmlns:ds="http://schemas.openxmlformats.org/officeDocument/2006/customXml" ds:itemID="{53B502EA-CC61-4C3A-9239-E889C59E2245}">
   <ds:schemaRefs>
     <ds:schemaRef ds:uri="http://schemas.microsoft.com/office/2006/metadata/contentType"/>
@@ -29665,19 +30101,4 @@
     <ds:schemaRef ds:uri="http://schemas.microsoft.com/office/infopath/2007/PartnerControls"/>
   </ds:schemaRefs>
 </ds:datastoreItem>
-</file>
-
-<file path=customXml/itemProps3.xml><?xml version="1.0" encoding="utf-8"?>
-<ds:datastoreItem xmlns:ds="http://schemas.openxmlformats.org/officeDocument/2006/customXml" ds:itemID="{136497CF-FFDF-4FDB-8278-A4E189869E9B}">
-  <ds:schemaRefs>
-    <ds:schemaRef ds:uri="http://schemas.microsoft.com/office/2006/metadata/properties"/>
-    <ds:schemaRef ds:uri="http://purl.org/dc/terms/"/>
-    <ds:schemaRef ds:uri="http://schemas.openxmlformats.org/package/2006/metadata/core-properties"/>
-    <ds:schemaRef ds:uri="http://schemas.microsoft.com/office/2006/documentManagement/types"/>
-    <ds:schemaRef ds:uri="http://purl.org/dc/dcmitype/"/>
-    <ds:schemaRef ds:uri="http://schemas.microsoft.com/office/infopath/2007/PartnerControls"/>
-    <ds:schemaRef ds:uri="http://purl.org/dc/elements/1.1/"/>
-    <ds:schemaRef ds:uri="http://www.w3.org/XML/1998/namespace"/>
-  </ds:schemaRefs>
-</ds:datastoreItem>
 </file>